--- a/ppt 16-9/1210.主里安息.pptx
+++ b/ppt 16-9/1210.主里安息.pptx
@@ -129,7 +129,7 @@
           <p:cNvPr id="2" name="标题 1">
             <a:extLst>
               <a:ext uri="{FF2B5EF4-FFF2-40B4-BE49-F238E27FC236}">
-                <a16:creationId xmlns:a16="http://schemas.microsoft.com/office/drawing/2014/main" id="{7798B6E4-EF63-A9D4-BAB4-5BE0F12013DF}"/>
+                <a16:creationId xmlns:a16="http://schemas.microsoft.com/office/drawing/2014/main" id="{DF22D1DE-D3B7-D9FD-18A4-29759888CF3E}"/>
               </a:ext>
             </a:extLst>
           </p:cNvPr>
@@ -166,7 +166,7 @@
           <p:cNvPr id="3" name="副标题 2">
             <a:extLst>
               <a:ext uri="{FF2B5EF4-FFF2-40B4-BE49-F238E27FC236}">
-                <a16:creationId xmlns:a16="http://schemas.microsoft.com/office/drawing/2014/main" id="{F5B8851B-14F7-CE61-7197-EF1B08CF04C2}"/>
+                <a16:creationId xmlns:a16="http://schemas.microsoft.com/office/drawing/2014/main" id="{A4911B3C-5538-D7BB-B881-B824DF829603}"/>
               </a:ext>
             </a:extLst>
           </p:cNvPr>
@@ -236,7 +236,7 @@
           <p:cNvPr id="4" name="日期占位符 3">
             <a:extLst>
               <a:ext uri="{FF2B5EF4-FFF2-40B4-BE49-F238E27FC236}">
-                <a16:creationId xmlns:a16="http://schemas.microsoft.com/office/drawing/2014/main" id="{D7BAF11A-8696-4BD4-761F-F866BCE86F54}"/>
+                <a16:creationId xmlns:a16="http://schemas.microsoft.com/office/drawing/2014/main" id="{D58161CF-5655-A4A5-0621-98B3CB81AB67}"/>
               </a:ext>
             </a:extLst>
           </p:cNvPr>
@@ -252,7 +252,7 @@
           <a:bodyPr/>
           <a:lstStyle/>
           <a:p>
-            <a:fld id="{12307159-C74F-4C12-BBFE-E13B35540D95}" type="datetimeFigureOut">
+            <a:fld id="{C1FA38F4-0FF2-4695-9C3B-913DF8A39FA2}" type="datetimeFigureOut">
               <a:rPr lang="zh-CN" altLang="en-US" smtClean="0"/>
               <a:t>2024/3/10</a:t>
             </a:fld>
@@ -265,7 +265,7 @@
           <p:cNvPr id="5" name="页脚占位符 4">
             <a:extLst>
               <a:ext uri="{FF2B5EF4-FFF2-40B4-BE49-F238E27FC236}">
-                <a16:creationId xmlns:a16="http://schemas.microsoft.com/office/drawing/2014/main" id="{F60D87AD-8B0B-5C47-6255-FD62AF2481C5}"/>
+                <a16:creationId xmlns:a16="http://schemas.microsoft.com/office/drawing/2014/main" id="{0C5F9F2C-6F02-F741-F50B-B3FCE894C494}"/>
               </a:ext>
             </a:extLst>
           </p:cNvPr>
@@ -290,7 +290,7 @@
           <p:cNvPr id="6" name="灯片编号占位符 5">
             <a:extLst>
               <a:ext uri="{FF2B5EF4-FFF2-40B4-BE49-F238E27FC236}">
-                <a16:creationId xmlns:a16="http://schemas.microsoft.com/office/drawing/2014/main" id="{5134CE57-0936-3583-9DBB-7A3849FA8AA7}"/>
+                <a16:creationId xmlns:a16="http://schemas.microsoft.com/office/drawing/2014/main" id="{B52C3D3B-533B-4DF6-1466-855A90B5D184}"/>
               </a:ext>
             </a:extLst>
           </p:cNvPr>
@@ -306,7 +306,7 @@
           <a:bodyPr/>
           <a:lstStyle/>
           <a:p>
-            <a:fld id="{92D9176E-BAC6-4DA3-AD60-527B8151CCB4}" type="slidenum">
+            <a:fld id="{6D5E9A5E-A1D5-4D9E-81DD-2A62C78967B9}" type="slidenum">
               <a:rPr lang="zh-CN" altLang="en-US" smtClean="0"/>
               <a:t>‹#›</a:t>
             </a:fld>
@@ -317,7 +317,7 @@
     </p:spTree>
     <p:extLst>
       <p:ext uri="{BB962C8B-B14F-4D97-AF65-F5344CB8AC3E}">
-        <p14:creationId xmlns:p14="http://schemas.microsoft.com/office/powerpoint/2010/main" val="131775156"/>
+        <p14:creationId xmlns:p14="http://schemas.microsoft.com/office/powerpoint/2010/main" val="2469211318"/>
       </p:ext>
     </p:extLst>
   </p:cSld>
@@ -349,7 +349,7 @@
           <p:cNvPr id="2" name="标题 1">
             <a:extLst>
               <a:ext uri="{FF2B5EF4-FFF2-40B4-BE49-F238E27FC236}">
-                <a16:creationId xmlns:a16="http://schemas.microsoft.com/office/drawing/2014/main" id="{6A837794-C8D6-2588-3B15-17D0DD3590E5}"/>
+                <a16:creationId xmlns:a16="http://schemas.microsoft.com/office/drawing/2014/main" id="{0A5C5FD4-E3B1-645F-A18E-7BBB2008C7CE}"/>
               </a:ext>
             </a:extLst>
           </p:cNvPr>
@@ -377,7 +377,7 @@
           <p:cNvPr id="3" name="竖排文字占位符 2">
             <a:extLst>
               <a:ext uri="{FF2B5EF4-FFF2-40B4-BE49-F238E27FC236}">
-                <a16:creationId xmlns:a16="http://schemas.microsoft.com/office/drawing/2014/main" id="{C74CCAD4-F7FD-EF03-01CE-69370A0F359B}"/>
+                <a16:creationId xmlns:a16="http://schemas.microsoft.com/office/drawing/2014/main" id="{7A2AB181-0698-A74F-A9DF-628FBB06FF60}"/>
               </a:ext>
             </a:extLst>
           </p:cNvPr>
@@ -434,7 +434,7 @@
           <p:cNvPr id="4" name="日期占位符 3">
             <a:extLst>
               <a:ext uri="{FF2B5EF4-FFF2-40B4-BE49-F238E27FC236}">
-                <a16:creationId xmlns:a16="http://schemas.microsoft.com/office/drawing/2014/main" id="{0B64224A-4948-A301-7EBF-9B734132189E}"/>
+                <a16:creationId xmlns:a16="http://schemas.microsoft.com/office/drawing/2014/main" id="{8638EAB1-18CA-9644-2422-3B861C83B714}"/>
               </a:ext>
             </a:extLst>
           </p:cNvPr>
@@ -450,7 +450,7 @@
           <a:bodyPr/>
           <a:lstStyle/>
           <a:p>
-            <a:fld id="{12307159-C74F-4C12-BBFE-E13B35540D95}" type="datetimeFigureOut">
+            <a:fld id="{C1FA38F4-0FF2-4695-9C3B-913DF8A39FA2}" type="datetimeFigureOut">
               <a:rPr lang="zh-CN" altLang="en-US" smtClean="0"/>
               <a:t>2024/3/10</a:t>
             </a:fld>
@@ -463,7 +463,7 @@
           <p:cNvPr id="5" name="页脚占位符 4">
             <a:extLst>
               <a:ext uri="{FF2B5EF4-FFF2-40B4-BE49-F238E27FC236}">
-                <a16:creationId xmlns:a16="http://schemas.microsoft.com/office/drawing/2014/main" id="{A435F812-3522-35FC-5FF8-377CBF71DEBC}"/>
+                <a16:creationId xmlns:a16="http://schemas.microsoft.com/office/drawing/2014/main" id="{D0C7EA72-BE6F-D8CE-2AE1-31BEB5766816}"/>
               </a:ext>
             </a:extLst>
           </p:cNvPr>
@@ -488,7 +488,7 @@
           <p:cNvPr id="6" name="灯片编号占位符 5">
             <a:extLst>
               <a:ext uri="{FF2B5EF4-FFF2-40B4-BE49-F238E27FC236}">
-                <a16:creationId xmlns:a16="http://schemas.microsoft.com/office/drawing/2014/main" id="{04872438-C8B7-240C-9E0A-4C6395DCCC0D}"/>
+                <a16:creationId xmlns:a16="http://schemas.microsoft.com/office/drawing/2014/main" id="{FF8FBF89-CE3E-44A7-C785-60E47A08EBB1}"/>
               </a:ext>
             </a:extLst>
           </p:cNvPr>
@@ -504,7 +504,7 @@
           <a:bodyPr/>
           <a:lstStyle/>
           <a:p>
-            <a:fld id="{92D9176E-BAC6-4DA3-AD60-527B8151CCB4}" type="slidenum">
+            <a:fld id="{6D5E9A5E-A1D5-4D9E-81DD-2A62C78967B9}" type="slidenum">
               <a:rPr lang="zh-CN" altLang="en-US" smtClean="0"/>
               <a:t>‹#›</a:t>
             </a:fld>
@@ -515,7 +515,7 @@
     </p:spTree>
     <p:extLst>
       <p:ext uri="{BB962C8B-B14F-4D97-AF65-F5344CB8AC3E}">
-        <p14:creationId xmlns:p14="http://schemas.microsoft.com/office/powerpoint/2010/main" val="1705687220"/>
+        <p14:creationId xmlns:p14="http://schemas.microsoft.com/office/powerpoint/2010/main" val="4024803977"/>
       </p:ext>
     </p:extLst>
   </p:cSld>
@@ -547,7 +547,7 @@
           <p:cNvPr id="2" name="竖排标题 1">
             <a:extLst>
               <a:ext uri="{FF2B5EF4-FFF2-40B4-BE49-F238E27FC236}">
-                <a16:creationId xmlns:a16="http://schemas.microsoft.com/office/drawing/2014/main" id="{BE53C40A-7F58-F66D-8401-2A9D4CAA21D7}"/>
+                <a16:creationId xmlns:a16="http://schemas.microsoft.com/office/drawing/2014/main" id="{0D50A855-58D0-464F-6403-68145B6ED8D7}"/>
               </a:ext>
             </a:extLst>
           </p:cNvPr>
@@ -580,7 +580,7 @@
           <p:cNvPr id="3" name="竖排文字占位符 2">
             <a:extLst>
               <a:ext uri="{FF2B5EF4-FFF2-40B4-BE49-F238E27FC236}">
-                <a16:creationId xmlns:a16="http://schemas.microsoft.com/office/drawing/2014/main" id="{ED6AE567-83BF-5CDB-1F58-E16DA47022CF}"/>
+                <a16:creationId xmlns:a16="http://schemas.microsoft.com/office/drawing/2014/main" id="{2686D660-EA2B-965C-DDF3-00A7A44AE2DF}"/>
               </a:ext>
             </a:extLst>
           </p:cNvPr>
@@ -642,7 +642,7 @@
           <p:cNvPr id="4" name="日期占位符 3">
             <a:extLst>
               <a:ext uri="{FF2B5EF4-FFF2-40B4-BE49-F238E27FC236}">
-                <a16:creationId xmlns:a16="http://schemas.microsoft.com/office/drawing/2014/main" id="{D56CE27C-2E35-1E53-A54E-14B4C2B9CB89}"/>
+                <a16:creationId xmlns:a16="http://schemas.microsoft.com/office/drawing/2014/main" id="{564658D4-F6AD-5E55-BFA1-4D985AFCD1B1}"/>
               </a:ext>
             </a:extLst>
           </p:cNvPr>
@@ -658,7 +658,7 @@
           <a:bodyPr/>
           <a:lstStyle/>
           <a:p>
-            <a:fld id="{12307159-C74F-4C12-BBFE-E13B35540D95}" type="datetimeFigureOut">
+            <a:fld id="{C1FA38F4-0FF2-4695-9C3B-913DF8A39FA2}" type="datetimeFigureOut">
               <a:rPr lang="zh-CN" altLang="en-US" smtClean="0"/>
               <a:t>2024/3/10</a:t>
             </a:fld>
@@ -671,7 +671,7 @@
           <p:cNvPr id="5" name="页脚占位符 4">
             <a:extLst>
               <a:ext uri="{FF2B5EF4-FFF2-40B4-BE49-F238E27FC236}">
-                <a16:creationId xmlns:a16="http://schemas.microsoft.com/office/drawing/2014/main" id="{09BA0E77-EAC8-72D8-2A1A-E652C7F308D1}"/>
+                <a16:creationId xmlns:a16="http://schemas.microsoft.com/office/drawing/2014/main" id="{CFA0CFE2-0762-9AC5-6ED9-4FAA163540D5}"/>
               </a:ext>
             </a:extLst>
           </p:cNvPr>
@@ -696,7 +696,7 @@
           <p:cNvPr id="6" name="灯片编号占位符 5">
             <a:extLst>
               <a:ext uri="{FF2B5EF4-FFF2-40B4-BE49-F238E27FC236}">
-                <a16:creationId xmlns:a16="http://schemas.microsoft.com/office/drawing/2014/main" id="{5C1A8991-268D-278F-AACF-5F51D07663B3}"/>
+                <a16:creationId xmlns:a16="http://schemas.microsoft.com/office/drawing/2014/main" id="{61D4870C-CE41-30B8-D74B-0C4A6EAE02A5}"/>
               </a:ext>
             </a:extLst>
           </p:cNvPr>
@@ -712,7 +712,7 @@
           <a:bodyPr/>
           <a:lstStyle/>
           <a:p>
-            <a:fld id="{92D9176E-BAC6-4DA3-AD60-527B8151CCB4}" type="slidenum">
+            <a:fld id="{6D5E9A5E-A1D5-4D9E-81DD-2A62C78967B9}" type="slidenum">
               <a:rPr lang="zh-CN" altLang="en-US" smtClean="0"/>
               <a:t>‹#›</a:t>
             </a:fld>
@@ -723,7 +723,7 @@
     </p:spTree>
     <p:extLst>
       <p:ext uri="{BB962C8B-B14F-4D97-AF65-F5344CB8AC3E}">
-        <p14:creationId xmlns:p14="http://schemas.microsoft.com/office/powerpoint/2010/main" val="3587917441"/>
+        <p14:creationId xmlns:p14="http://schemas.microsoft.com/office/powerpoint/2010/main" val="2992850797"/>
       </p:ext>
     </p:extLst>
   </p:cSld>
@@ -755,7 +755,7 @@
           <p:cNvPr id="2" name="标题 1">
             <a:extLst>
               <a:ext uri="{FF2B5EF4-FFF2-40B4-BE49-F238E27FC236}">
-                <a16:creationId xmlns:a16="http://schemas.microsoft.com/office/drawing/2014/main" id="{C655BE91-765A-2C20-EDA6-F58657081545}"/>
+                <a16:creationId xmlns:a16="http://schemas.microsoft.com/office/drawing/2014/main" id="{72E7D25A-154A-1E93-AF42-87B7C7E286DD}"/>
               </a:ext>
             </a:extLst>
           </p:cNvPr>
@@ -783,7 +783,7 @@
           <p:cNvPr id="3" name="内容占位符 2">
             <a:extLst>
               <a:ext uri="{FF2B5EF4-FFF2-40B4-BE49-F238E27FC236}">
-                <a16:creationId xmlns:a16="http://schemas.microsoft.com/office/drawing/2014/main" id="{413F940A-A50C-B511-B190-2F4313CC9F45}"/>
+                <a16:creationId xmlns:a16="http://schemas.microsoft.com/office/drawing/2014/main" id="{86D9BDDF-CB30-7CC9-F0F7-21548BBDBE04}"/>
               </a:ext>
             </a:extLst>
           </p:cNvPr>
@@ -840,7 +840,7 @@
           <p:cNvPr id="4" name="日期占位符 3">
             <a:extLst>
               <a:ext uri="{FF2B5EF4-FFF2-40B4-BE49-F238E27FC236}">
-                <a16:creationId xmlns:a16="http://schemas.microsoft.com/office/drawing/2014/main" id="{F95D42DD-1A91-787C-A1D1-9DBAC8CEDA05}"/>
+                <a16:creationId xmlns:a16="http://schemas.microsoft.com/office/drawing/2014/main" id="{58EA50DF-6C34-00C7-7E1C-0057826EB56D}"/>
               </a:ext>
             </a:extLst>
           </p:cNvPr>
@@ -856,7 +856,7 @@
           <a:bodyPr/>
           <a:lstStyle/>
           <a:p>
-            <a:fld id="{12307159-C74F-4C12-BBFE-E13B35540D95}" type="datetimeFigureOut">
+            <a:fld id="{C1FA38F4-0FF2-4695-9C3B-913DF8A39FA2}" type="datetimeFigureOut">
               <a:rPr lang="zh-CN" altLang="en-US" smtClean="0"/>
               <a:t>2024/3/10</a:t>
             </a:fld>
@@ -869,7 +869,7 @@
           <p:cNvPr id="5" name="页脚占位符 4">
             <a:extLst>
               <a:ext uri="{FF2B5EF4-FFF2-40B4-BE49-F238E27FC236}">
-                <a16:creationId xmlns:a16="http://schemas.microsoft.com/office/drawing/2014/main" id="{E8E6873F-D5A6-49F6-C5DD-5C04396F20AE}"/>
+                <a16:creationId xmlns:a16="http://schemas.microsoft.com/office/drawing/2014/main" id="{84E40981-739E-778D-9E39-0B2EB490DCF1}"/>
               </a:ext>
             </a:extLst>
           </p:cNvPr>
@@ -894,7 +894,7 @@
           <p:cNvPr id="6" name="灯片编号占位符 5">
             <a:extLst>
               <a:ext uri="{FF2B5EF4-FFF2-40B4-BE49-F238E27FC236}">
-                <a16:creationId xmlns:a16="http://schemas.microsoft.com/office/drawing/2014/main" id="{25A3BC25-6254-66A0-7B36-7DF6E04983E1}"/>
+                <a16:creationId xmlns:a16="http://schemas.microsoft.com/office/drawing/2014/main" id="{3413125E-D084-9DEB-DDF7-0F657F6A2095}"/>
               </a:ext>
             </a:extLst>
           </p:cNvPr>
@@ -910,7 +910,7 @@
           <a:bodyPr/>
           <a:lstStyle/>
           <a:p>
-            <a:fld id="{92D9176E-BAC6-4DA3-AD60-527B8151CCB4}" type="slidenum">
+            <a:fld id="{6D5E9A5E-A1D5-4D9E-81DD-2A62C78967B9}" type="slidenum">
               <a:rPr lang="zh-CN" altLang="en-US" smtClean="0"/>
               <a:t>‹#›</a:t>
             </a:fld>
@@ -921,7 +921,7 @@
     </p:spTree>
     <p:extLst>
       <p:ext uri="{BB962C8B-B14F-4D97-AF65-F5344CB8AC3E}">
-        <p14:creationId xmlns:p14="http://schemas.microsoft.com/office/powerpoint/2010/main" val="1940670929"/>
+        <p14:creationId xmlns:p14="http://schemas.microsoft.com/office/powerpoint/2010/main" val="3417955695"/>
       </p:ext>
     </p:extLst>
   </p:cSld>
@@ -953,7 +953,7 @@
           <p:cNvPr id="2" name="标题 1">
             <a:extLst>
               <a:ext uri="{FF2B5EF4-FFF2-40B4-BE49-F238E27FC236}">
-                <a16:creationId xmlns:a16="http://schemas.microsoft.com/office/drawing/2014/main" id="{80112B1A-18AD-3930-9CD5-AA4FCE040DFF}"/>
+                <a16:creationId xmlns:a16="http://schemas.microsoft.com/office/drawing/2014/main" id="{53B3CE3E-1C76-D019-1A99-F93D7CFAF975}"/>
               </a:ext>
             </a:extLst>
           </p:cNvPr>
@@ -990,7 +990,7 @@
           <p:cNvPr id="3" name="文本占位符 2">
             <a:extLst>
               <a:ext uri="{FF2B5EF4-FFF2-40B4-BE49-F238E27FC236}">
-                <a16:creationId xmlns:a16="http://schemas.microsoft.com/office/drawing/2014/main" id="{7C9B5420-B273-47C2-AEDC-ED72DEEE9806}"/>
+                <a16:creationId xmlns:a16="http://schemas.microsoft.com/office/drawing/2014/main" id="{C759888D-7770-E970-FCDC-C6A37161B475}"/>
               </a:ext>
             </a:extLst>
           </p:cNvPr>
@@ -1115,7 +1115,7 @@
           <p:cNvPr id="4" name="日期占位符 3">
             <a:extLst>
               <a:ext uri="{FF2B5EF4-FFF2-40B4-BE49-F238E27FC236}">
-                <a16:creationId xmlns:a16="http://schemas.microsoft.com/office/drawing/2014/main" id="{EE9AFF00-4E2F-53B3-CB0C-EE05246073C8}"/>
+                <a16:creationId xmlns:a16="http://schemas.microsoft.com/office/drawing/2014/main" id="{C3476AF1-FA6A-4A1E-2154-910832CB0AB3}"/>
               </a:ext>
             </a:extLst>
           </p:cNvPr>
@@ -1131,7 +1131,7 @@
           <a:bodyPr/>
           <a:lstStyle/>
           <a:p>
-            <a:fld id="{12307159-C74F-4C12-BBFE-E13B35540D95}" type="datetimeFigureOut">
+            <a:fld id="{C1FA38F4-0FF2-4695-9C3B-913DF8A39FA2}" type="datetimeFigureOut">
               <a:rPr lang="zh-CN" altLang="en-US" smtClean="0"/>
               <a:t>2024/3/10</a:t>
             </a:fld>
@@ -1144,7 +1144,7 @@
           <p:cNvPr id="5" name="页脚占位符 4">
             <a:extLst>
               <a:ext uri="{FF2B5EF4-FFF2-40B4-BE49-F238E27FC236}">
-                <a16:creationId xmlns:a16="http://schemas.microsoft.com/office/drawing/2014/main" id="{0F7332B9-D821-F62E-9495-3E93ACE314F0}"/>
+                <a16:creationId xmlns:a16="http://schemas.microsoft.com/office/drawing/2014/main" id="{EC31415F-19EF-2990-5B7F-88CA394E2AE0}"/>
               </a:ext>
             </a:extLst>
           </p:cNvPr>
@@ -1169,7 +1169,7 @@
           <p:cNvPr id="6" name="灯片编号占位符 5">
             <a:extLst>
               <a:ext uri="{FF2B5EF4-FFF2-40B4-BE49-F238E27FC236}">
-                <a16:creationId xmlns:a16="http://schemas.microsoft.com/office/drawing/2014/main" id="{B9BD02C1-8E93-1AC5-5A43-11D1860202C1}"/>
+                <a16:creationId xmlns:a16="http://schemas.microsoft.com/office/drawing/2014/main" id="{B0AEA5B6-CAE4-A27C-ACEC-C5146F1ECB47}"/>
               </a:ext>
             </a:extLst>
           </p:cNvPr>
@@ -1185,7 +1185,7 @@
           <a:bodyPr/>
           <a:lstStyle/>
           <a:p>
-            <a:fld id="{92D9176E-BAC6-4DA3-AD60-527B8151CCB4}" type="slidenum">
+            <a:fld id="{6D5E9A5E-A1D5-4D9E-81DD-2A62C78967B9}" type="slidenum">
               <a:rPr lang="zh-CN" altLang="en-US" smtClean="0"/>
               <a:t>‹#›</a:t>
             </a:fld>
@@ -1196,7 +1196,7 @@
     </p:spTree>
     <p:extLst>
       <p:ext uri="{BB962C8B-B14F-4D97-AF65-F5344CB8AC3E}">
-        <p14:creationId xmlns:p14="http://schemas.microsoft.com/office/powerpoint/2010/main" val="283215064"/>
+        <p14:creationId xmlns:p14="http://schemas.microsoft.com/office/powerpoint/2010/main" val="3294338988"/>
       </p:ext>
     </p:extLst>
   </p:cSld>
@@ -1228,7 +1228,7 @@
           <p:cNvPr id="2" name="标题 1">
             <a:extLst>
               <a:ext uri="{FF2B5EF4-FFF2-40B4-BE49-F238E27FC236}">
-                <a16:creationId xmlns:a16="http://schemas.microsoft.com/office/drawing/2014/main" id="{37E95B58-321A-40E9-86F4-703C993D60C9}"/>
+                <a16:creationId xmlns:a16="http://schemas.microsoft.com/office/drawing/2014/main" id="{AFDEC1B4-D2DA-DB10-54BE-B55E6840B425}"/>
               </a:ext>
             </a:extLst>
           </p:cNvPr>
@@ -1256,7 +1256,7 @@
           <p:cNvPr id="3" name="内容占位符 2">
             <a:extLst>
               <a:ext uri="{FF2B5EF4-FFF2-40B4-BE49-F238E27FC236}">
-                <a16:creationId xmlns:a16="http://schemas.microsoft.com/office/drawing/2014/main" id="{D6A2D372-12EC-BA21-8F04-059D6FD40C7B}"/>
+                <a16:creationId xmlns:a16="http://schemas.microsoft.com/office/drawing/2014/main" id="{C70BDC80-8697-2876-B5B0-091B795ECA2F}"/>
               </a:ext>
             </a:extLst>
           </p:cNvPr>
@@ -1318,7 +1318,7 @@
           <p:cNvPr id="4" name="内容占位符 3">
             <a:extLst>
               <a:ext uri="{FF2B5EF4-FFF2-40B4-BE49-F238E27FC236}">
-                <a16:creationId xmlns:a16="http://schemas.microsoft.com/office/drawing/2014/main" id="{A4AE7FDB-D39A-5683-AAB0-95FA96656306}"/>
+                <a16:creationId xmlns:a16="http://schemas.microsoft.com/office/drawing/2014/main" id="{05CC9FFE-8CC9-3C2F-0091-C52419B199D1}"/>
               </a:ext>
             </a:extLst>
           </p:cNvPr>
@@ -1380,7 +1380,7 @@
           <p:cNvPr id="5" name="日期占位符 4">
             <a:extLst>
               <a:ext uri="{FF2B5EF4-FFF2-40B4-BE49-F238E27FC236}">
-                <a16:creationId xmlns:a16="http://schemas.microsoft.com/office/drawing/2014/main" id="{43979CD9-57EA-9733-9E73-2740A665CDC0}"/>
+                <a16:creationId xmlns:a16="http://schemas.microsoft.com/office/drawing/2014/main" id="{70F77DF8-4C66-A446-41EF-BCD10FD06B11}"/>
               </a:ext>
             </a:extLst>
           </p:cNvPr>
@@ -1396,7 +1396,7 @@
           <a:bodyPr/>
           <a:lstStyle/>
           <a:p>
-            <a:fld id="{12307159-C74F-4C12-BBFE-E13B35540D95}" type="datetimeFigureOut">
+            <a:fld id="{C1FA38F4-0FF2-4695-9C3B-913DF8A39FA2}" type="datetimeFigureOut">
               <a:rPr lang="zh-CN" altLang="en-US" smtClean="0"/>
               <a:t>2024/3/10</a:t>
             </a:fld>
@@ -1409,7 +1409,7 @@
           <p:cNvPr id="6" name="页脚占位符 5">
             <a:extLst>
               <a:ext uri="{FF2B5EF4-FFF2-40B4-BE49-F238E27FC236}">
-                <a16:creationId xmlns:a16="http://schemas.microsoft.com/office/drawing/2014/main" id="{0B2A3B20-8923-88EF-39F6-67373036F377}"/>
+                <a16:creationId xmlns:a16="http://schemas.microsoft.com/office/drawing/2014/main" id="{C4EFCB0D-1F6E-A2DF-1C5D-755AB0B7D291}"/>
               </a:ext>
             </a:extLst>
           </p:cNvPr>
@@ -1434,7 +1434,7 @@
           <p:cNvPr id="7" name="灯片编号占位符 6">
             <a:extLst>
               <a:ext uri="{FF2B5EF4-FFF2-40B4-BE49-F238E27FC236}">
-                <a16:creationId xmlns:a16="http://schemas.microsoft.com/office/drawing/2014/main" id="{20E1F6B8-7955-30EA-AE54-5A1357B8EC15}"/>
+                <a16:creationId xmlns:a16="http://schemas.microsoft.com/office/drawing/2014/main" id="{959FE6A2-5979-E8A3-E6B0-AE8DF25526D2}"/>
               </a:ext>
             </a:extLst>
           </p:cNvPr>
@@ -1450,7 +1450,7 @@
           <a:bodyPr/>
           <a:lstStyle/>
           <a:p>
-            <a:fld id="{92D9176E-BAC6-4DA3-AD60-527B8151CCB4}" type="slidenum">
+            <a:fld id="{6D5E9A5E-A1D5-4D9E-81DD-2A62C78967B9}" type="slidenum">
               <a:rPr lang="zh-CN" altLang="en-US" smtClean="0"/>
               <a:t>‹#›</a:t>
             </a:fld>
@@ -1461,7 +1461,7 @@
     </p:spTree>
     <p:extLst>
       <p:ext uri="{BB962C8B-B14F-4D97-AF65-F5344CB8AC3E}">
-        <p14:creationId xmlns:p14="http://schemas.microsoft.com/office/powerpoint/2010/main" val="602327715"/>
+        <p14:creationId xmlns:p14="http://schemas.microsoft.com/office/powerpoint/2010/main" val="1462427357"/>
       </p:ext>
     </p:extLst>
   </p:cSld>
@@ -1493,7 +1493,7 @@
           <p:cNvPr id="2" name="标题 1">
             <a:extLst>
               <a:ext uri="{FF2B5EF4-FFF2-40B4-BE49-F238E27FC236}">
-                <a16:creationId xmlns:a16="http://schemas.microsoft.com/office/drawing/2014/main" id="{B5CB5612-8098-7D16-F217-B59C98F7605E}"/>
+                <a16:creationId xmlns:a16="http://schemas.microsoft.com/office/drawing/2014/main" id="{947B5F58-2876-3362-707A-59033EA4F984}"/>
               </a:ext>
             </a:extLst>
           </p:cNvPr>
@@ -1526,7 +1526,7 @@
           <p:cNvPr id="3" name="文本占位符 2">
             <a:extLst>
               <a:ext uri="{FF2B5EF4-FFF2-40B4-BE49-F238E27FC236}">
-                <a16:creationId xmlns:a16="http://schemas.microsoft.com/office/drawing/2014/main" id="{2E5873CF-4DC5-B2F5-7E61-999203EA057D}"/>
+                <a16:creationId xmlns:a16="http://schemas.microsoft.com/office/drawing/2014/main" id="{E8A7BE0B-39D3-AECA-6279-A4023A756D77}"/>
               </a:ext>
             </a:extLst>
           </p:cNvPr>
@@ -1597,7 +1597,7 @@
           <p:cNvPr id="4" name="内容占位符 3">
             <a:extLst>
               <a:ext uri="{FF2B5EF4-FFF2-40B4-BE49-F238E27FC236}">
-                <a16:creationId xmlns:a16="http://schemas.microsoft.com/office/drawing/2014/main" id="{9F76DF78-1612-72C1-17AD-180FF2F80166}"/>
+                <a16:creationId xmlns:a16="http://schemas.microsoft.com/office/drawing/2014/main" id="{2C00FC25-B2B9-7F03-2F1F-1E5C71AB1FC4}"/>
               </a:ext>
             </a:extLst>
           </p:cNvPr>
@@ -1659,7 +1659,7 @@
           <p:cNvPr id="5" name="文本占位符 4">
             <a:extLst>
               <a:ext uri="{FF2B5EF4-FFF2-40B4-BE49-F238E27FC236}">
-                <a16:creationId xmlns:a16="http://schemas.microsoft.com/office/drawing/2014/main" id="{969CD08E-55B3-A9EA-5DAB-7AB59730ACB5}"/>
+                <a16:creationId xmlns:a16="http://schemas.microsoft.com/office/drawing/2014/main" id="{332EB318-D9BA-2B9E-4831-6ECBECCB3A72}"/>
               </a:ext>
             </a:extLst>
           </p:cNvPr>
@@ -1730,7 +1730,7 @@
           <p:cNvPr id="6" name="内容占位符 5">
             <a:extLst>
               <a:ext uri="{FF2B5EF4-FFF2-40B4-BE49-F238E27FC236}">
-                <a16:creationId xmlns:a16="http://schemas.microsoft.com/office/drawing/2014/main" id="{86271846-F5A4-0413-1EC1-3C0ED64278EB}"/>
+                <a16:creationId xmlns:a16="http://schemas.microsoft.com/office/drawing/2014/main" id="{27B8B635-B644-3E66-4A43-ADC7FCB5E2DF}"/>
               </a:ext>
             </a:extLst>
           </p:cNvPr>
@@ -1792,7 +1792,7 @@
           <p:cNvPr id="7" name="日期占位符 6">
             <a:extLst>
               <a:ext uri="{FF2B5EF4-FFF2-40B4-BE49-F238E27FC236}">
-                <a16:creationId xmlns:a16="http://schemas.microsoft.com/office/drawing/2014/main" id="{57C4D367-739B-50F8-211C-93640126A576}"/>
+                <a16:creationId xmlns:a16="http://schemas.microsoft.com/office/drawing/2014/main" id="{B958CE45-00F0-989D-30BE-EDD78896366C}"/>
               </a:ext>
             </a:extLst>
           </p:cNvPr>
@@ -1808,7 +1808,7 @@
           <a:bodyPr/>
           <a:lstStyle/>
           <a:p>
-            <a:fld id="{12307159-C74F-4C12-BBFE-E13B35540D95}" type="datetimeFigureOut">
+            <a:fld id="{C1FA38F4-0FF2-4695-9C3B-913DF8A39FA2}" type="datetimeFigureOut">
               <a:rPr lang="zh-CN" altLang="en-US" smtClean="0"/>
               <a:t>2024/3/10</a:t>
             </a:fld>
@@ -1821,7 +1821,7 @@
           <p:cNvPr id="8" name="页脚占位符 7">
             <a:extLst>
               <a:ext uri="{FF2B5EF4-FFF2-40B4-BE49-F238E27FC236}">
-                <a16:creationId xmlns:a16="http://schemas.microsoft.com/office/drawing/2014/main" id="{7D2EDC0D-B28E-8CD9-0599-2013E82CAD98}"/>
+                <a16:creationId xmlns:a16="http://schemas.microsoft.com/office/drawing/2014/main" id="{9CB48BF7-EBDF-6CD6-DF25-7056BF54728C}"/>
               </a:ext>
             </a:extLst>
           </p:cNvPr>
@@ -1846,7 +1846,7 @@
           <p:cNvPr id="9" name="灯片编号占位符 8">
             <a:extLst>
               <a:ext uri="{FF2B5EF4-FFF2-40B4-BE49-F238E27FC236}">
-                <a16:creationId xmlns:a16="http://schemas.microsoft.com/office/drawing/2014/main" id="{45DD9F42-3372-F42B-D35E-425C5EE622B2}"/>
+                <a16:creationId xmlns:a16="http://schemas.microsoft.com/office/drawing/2014/main" id="{7EEF7A3A-AD25-0F8C-4880-3A6163A54F5A}"/>
               </a:ext>
             </a:extLst>
           </p:cNvPr>
@@ -1862,7 +1862,7 @@
           <a:bodyPr/>
           <a:lstStyle/>
           <a:p>
-            <a:fld id="{92D9176E-BAC6-4DA3-AD60-527B8151CCB4}" type="slidenum">
+            <a:fld id="{6D5E9A5E-A1D5-4D9E-81DD-2A62C78967B9}" type="slidenum">
               <a:rPr lang="zh-CN" altLang="en-US" smtClean="0"/>
               <a:t>‹#›</a:t>
             </a:fld>
@@ -1873,7 +1873,7 @@
     </p:spTree>
     <p:extLst>
       <p:ext uri="{BB962C8B-B14F-4D97-AF65-F5344CB8AC3E}">
-        <p14:creationId xmlns:p14="http://schemas.microsoft.com/office/powerpoint/2010/main" val="1792058603"/>
+        <p14:creationId xmlns:p14="http://schemas.microsoft.com/office/powerpoint/2010/main" val="698290482"/>
       </p:ext>
     </p:extLst>
   </p:cSld>
@@ -1905,7 +1905,7 @@
           <p:cNvPr id="2" name="标题 1">
             <a:extLst>
               <a:ext uri="{FF2B5EF4-FFF2-40B4-BE49-F238E27FC236}">
-                <a16:creationId xmlns:a16="http://schemas.microsoft.com/office/drawing/2014/main" id="{9AD006E1-7E15-B505-A928-5298F2CD5EA2}"/>
+                <a16:creationId xmlns:a16="http://schemas.microsoft.com/office/drawing/2014/main" id="{8E830433-5FAF-B757-A9E4-0BFA3EE5BDCC}"/>
               </a:ext>
             </a:extLst>
           </p:cNvPr>
@@ -1933,7 +1933,7 @@
           <p:cNvPr id="3" name="日期占位符 2">
             <a:extLst>
               <a:ext uri="{FF2B5EF4-FFF2-40B4-BE49-F238E27FC236}">
-                <a16:creationId xmlns:a16="http://schemas.microsoft.com/office/drawing/2014/main" id="{9487E4C4-9E07-3FB7-2347-EE0C75F003EC}"/>
+                <a16:creationId xmlns:a16="http://schemas.microsoft.com/office/drawing/2014/main" id="{2FB2D59D-75BF-B7A1-C156-DA672151BF44}"/>
               </a:ext>
             </a:extLst>
           </p:cNvPr>
@@ -1949,7 +1949,7 @@
           <a:bodyPr/>
           <a:lstStyle/>
           <a:p>
-            <a:fld id="{12307159-C74F-4C12-BBFE-E13B35540D95}" type="datetimeFigureOut">
+            <a:fld id="{C1FA38F4-0FF2-4695-9C3B-913DF8A39FA2}" type="datetimeFigureOut">
               <a:rPr lang="zh-CN" altLang="en-US" smtClean="0"/>
               <a:t>2024/3/10</a:t>
             </a:fld>
@@ -1962,7 +1962,7 @@
           <p:cNvPr id="4" name="页脚占位符 3">
             <a:extLst>
               <a:ext uri="{FF2B5EF4-FFF2-40B4-BE49-F238E27FC236}">
-                <a16:creationId xmlns:a16="http://schemas.microsoft.com/office/drawing/2014/main" id="{C05F386E-E936-DE22-07D8-F9417C09FF55}"/>
+                <a16:creationId xmlns:a16="http://schemas.microsoft.com/office/drawing/2014/main" id="{D7A8576E-01EF-35A8-8DE7-647F6FCFCEF7}"/>
               </a:ext>
             </a:extLst>
           </p:cNvPr>
@@ -1987,7 +1987,7 @@
           <p:cNvPr id="5" name="灯片编号占位符 4">
             <a:extLst>
               <a:ext uri="{FF2B5EF4-FFF2-40B4-BE49-F238E27FC236}">
-                <a16:creationId xmlns:a16="http://schemas.microsoft.com/office/drawing/2014/main" id="{2017B167-D80D-A6C0-93B4-46C1C33D9500}"/>
+                <a16:creationId xmlns:a16="http://schemas.microsoft.com/office/drawing/2014/main" id="{72D0A1AD-7ABF-D8E8-621B-725FCCDDEBDE}"/>
               </a:ext>
             </a:extLst>
           </p:cNvPr>
@@ -2003,7 +2003,7 @@
           <a:bodyPr/>
           <a:lstStyle/>
           <a:p>
-            <a:fld id="{92D9176E-BAC6-4DA3-AD60-527B8151CCB4}" type="slidenum">
+            <a:fld id="{6D5E9A5E-A1D5-4D9E-81DD-2A62C78967B9}" type="slidenum">
               <a:rPr lang="zh-CN" altLang="en-US" smtClean="0"/>
               <a:t>‹#›</a:t>
             </a:fld>
@@ -2014,7 +2014,7 @@
     </p:spTree>
     <p:extLst>
       <p:ext uri="{BB962C8B-B14F-4D97-AF65-F5344CB8AC3E}">
-        <p14:creationId xmlns:p14="http://schemas.microsoft.com/office/powerpoint/2010/main" val="106531502"/>
+        <p14:creationId xmlns:p14="http://schemas.microsoft.com/office/powerpoint/2010/main" val="2907054575"/>
       </p:ext>
     </p:extLst>
   </p:cSld>
@@ -2046,7 +2046,7 @@
           <p:cNvPr id="2" name="日期占位符 1">
             <a:extLst>
               <a:ext uri="{FF2B5EF4-FFF2-40B4-BE49-F238E27FC236}">
-                <a16:creationId xmlns:a16="http://schemas.microsoft.com/office/drawing/2014/main" id="{31660FD2-602D-307E-2C8B-D877D9EB5781}"/>
+                <a16:creationId xmlns:a16="http://schemas.microsoft.com/office/drawing/2014/main" id="{2ECE3DFD-CADF-EE1E-895E-E18C1334CCC8}"/>
               </a:ext>
             </a:extLst>
           </p:cNvPr>
@@ -2062,7 +2062,7 @@
           <a:bodyPr/>
           <a:lstStyle/>
           <a:p>
-            <a:fld id="{12307159-C74F-4C12-BBFE-E13B35540D95}" type="datetimeFigureOut">
+            <a:fld id="{C1FA38F4-0FF2-4695-9C3B-913DF8A39FA2}" type="datetimeFigureOut">
               <a:rPr lang="zh-CN" altLang="en-US" smtClean="0"/>
               <a:t>2024/3/10</a:t>
             </a:fld>
@@ -2075,7 +2075,7 @@
           <p:cNvPr id="3" name="页脚占位符 2">
             <a:extLst>
               <a:ext uri="{FF2B5EF4-FFF2-40B4-BE49-F238E27FC236}">
-                <a16:creationId xmlns:a16="http://schemas.microsoft.com/office/drawing/2014/main" id="{29CC3772-482B-F235-DF4F-5342AFD45F55}"/>
+                <a16:creationId xmlns:a16="http://schemas.microsoft.com/office/drawing/2014/main" id="{59FDE327-9C89-C892-D5A3-9B6328006AB2}"/>
               </a:ext>
             </a:extLst>
           </p:cNvPr>
@@ -2100,7 +2100,7 @@
           <p:cNvPr id="4" name="灯片编号占位符 3">
             <a:extLst>
               <a:ext uri="{FF2B5EF4-FFF2-40B4-BE49-F238E27FC236}">
-                <a16:creationId xmlns:a16="http://schemas.microsoft.com/office/drawing/2014/main" id="{E7EF2032-930F-C99A-5D31-D8410E163DCB}"/>
+                <a16:creationId xmlns:a16="http://schemas.microsoft.com/office/drawing/2014/main" id="{680AEE12-8D35-B096-FE5E-6610954B3C77}"/>
               </a:ext>
             </a:extLst>
           </p:cNvPr>
@@ -2116,7 +2116,7 @@
           <a:bodyPr/>
           <a:lstStyle/>
           <a:p>
-            <a:fld id="{92D9176E-BAC6-4DA3-AD60-527B8151CCB4}" type="slidenum">
+            <a:fld id="{6D5E9A5E-A1D5-4D9E-81DD-2A62C78967B9}" type="slidenum">
               <a:rPr lang="zh-CN" altLang="en-US" smtClean="0"/>
               <a:t>‹#›</a:t>
             </a:fld>
@@ -2127,7 +2127,7 @@
     </p:spTree>
     <p:extLst>
       <p:ext uri="{BB962C8B-B14F-4D97-AF65-F5344CB8AC3E}">
-        <p14:creationId xmlns:p14="http://schemas.microsoft.com/office/powerpoint/2010/main" val="3445917690"/>
+        <p14:creationId xmlns:p14="http://schemas.microsoft.com/office/powerpoint/2010/main" val="3211356770"/>
       </p:ext>
     </p:extLst>
   </p:cSld>
@@ -2159,7 +2159,7 @@
           <p:cNvPr id="2" name="标题 1">
             <a:extLst>
               <a:ext uri="{FF2B5EF4-FFF2-40B4-BE49-F238E27FC236}">
-                <a16:creationId xmlns:a16="http://schemas.microsoft.com/office/drawing/2014/main" id="{5320A80A-68A4-CB10-1C5B-552992ABA717}"/>
+                <a16:creationId xmlns:a16="http://schemas.microsoft.com/office/drawing/2014/main" id="{D173698C-353B-ADAA-07AB-055536C6544C}"/>
               </a:ext>
             </a:extLst>
           </p:cNvPr>
@@ -2196,7 +2196,7 @@
           <p:cNvPr id="3" name="内容占位符 2">
             <a:extLst>
               <a:ext uri="{FF2B5EF4-FFF2-40B4-BE49-F238E27FC236}">
-                <a16:creationId xmlns:a16="http://schemas.microsoft.com/office/drawing/2014/main" id="{64559CD2-5EC4-D3FE-E787-3B31721AA15A}"/>
+                <a16:creationId xmlns:a16="http://schemas.microsoft.com/office/drawing/2014/main" id="{D689F8C9-7393-B522-5F73-F26B291C53B3}"/>
               </a:ext>
             </a:extLst>
           </p:cNvPr>
@@ -2286,7 +2286,7 @@
           <p:cNvPr id="4" name="文本占位符 3">
             <a:extLst>
               <a:ext uri="{FF2B5EF4-FFF2-40B4-BE49-F238E27FC236}">
-                <a16:creationId xmlns:a16="http://schemas.microsoft.com/office/drawing/2014/main" id="{4A015F68-7AC2-888D-6293-D8DEA91AC371}"/>
+                <a16:creationId xmlns:a16="http://schemas.microsoft.com/office/drawing/2014/main" id="{4CC4C1E1-8527-C6F5-0F13-22E09B4C16F7}"/>
               </a:ext>
             </a:extLst>
           </p:cNvPr>
@@ -2357,7 +2357,7 @@
           <p:cNvPr id="5" name="日期占位符 4">
             <a:extLst>
               <a:ext uri="{FF2B5EF4-FFF2-40B4-BE49-F238E27FC236}">
-                <a16:creationId xmlns:a16="http://schemas.microsoft.com/office/drawing/2014/main" id="{EBA283A2-8A24-9D02-C008-1950E1CF6EBD}"/>
+                <a16:creationId xmlns:a16="http://schemas.microsoft.com/office/drawing/2014/main" id="{B11D6FAA-A81C-93AB-0E9C-86715E17CC6F}"/>
               </a:ext>
             </a:extLst>
           </p:cNvPr>
@@ -2373,7 +2373,7 @@
           <a:bodyPr/>
           <a:lstStyle/>
           <a:p>
-            <a:fld id="{12307159-C74F-4C12-BBFE-E13B35540D95}" type="datetimeFigureOut">
+            <a:fld id="{C1FA38F4-0FF2-4695-9C3B-913DF8A39FA2}" type="datetimeFigureOut">
               <a:rPr lang="zh-CN" altLang="en-US" smtClean="0"/>
               <a:t>2024/3/10</a:t>
             </a:fld>
@@ -2386,7 +2386,7 @@
           <p:cNvPr id="6" name="页脚占位符 5">
             <a:extLst>
               <a:ext uri="{FF2B5EF4-FFF2-40B4-BE49-F238E27FC236}">
-                <a16:creationId xmlns:a16="http://schemas.microsoft.com/office/drawing/2014/main" id="{8E2F2B8C-216B-3E2C-ED05-D04C365927EA}"/>
+                <a16:creationId xmlns:a16="http://schemas.microsoft.com/office/drawing/2014/main" id="{A1105018-514E-3F98-712E-56736C108EC3}"/>
               </a:ext>
             </a:extLst>
           </p:cNvPr>
@@ -2411,7 +2411,7 @@
           <p:cNvPr id="7" name="灯片编号占位符 6">
             <a:extLst>
               <a:ext uri="{FF2B5EF4-FFF2-40B4-BE49-F238E27FC236}">
-                <a16:creationId xmlns:a16="http://schemas.microsoft.com/office/drawing/2014/main" id="{A770B3AD-5890-9AA4-FA71-A9045360AB75}"/>
+                <a16:creationId xmlns:a16="http://schemas.microsoft.com/office/drawing/2014/main" id="{25001E2F-C853-6E68-DCF6-1A326BB9DB3E}"/>
               </a:ext>
             </a:extLst>
           </p:cNvPr>
@@ -2427,7 +2427,7 @@
           <a:bodyPr/>
           <a:lstStyle/>
           <a:p>
-            <a:fld id="{92D9176E-BAC6-4DA3-AD60-527B8151CCB4}" type="slidenum">
+            <a:fld id="{6D5E9A5E-A1D5-4D9E-81DD-2A62C78967B9}" type="slidenum">
               <a:rPr lang="zh-CN" altLang="en-US" smtClean="0"/>
               <a:t>‹#›</a:t>
             </a:fld>
@@ -2438,7 +2438,7 @@
     </p:spTree>
     <p:extLst>
       <p:ext uri="{BB962C8B-B14F-4D97-AF65-F5344CB8AC3E}">
-        <p14:creationId xmlns:p14="http://schemas.microsoft.com/office/powerpoint/2010/main" val="3433761571"/>
+        <p14:creationId xmlns:p14="http://schemas.microsoft.com/office/powerpoint/2010/main" val="4045167488"/>
       </p:ext>
     </p:extLst>
   </p:cSld>
@@ -2470,7 +2470,7 @@
           <p:cNvPr id="2" name="标题 1">
             <a:extLst>
               <a:ext uri="{FF2B5EF4-FFF2-40B4-BE49-F238E27FC236}">
-                <a16:creationId xmlns:a16="http://schemas.microsoft.com/office/drawing/2014/main" id="{9623754F-0B3A-1EBC-315D-1FB0B5ADD8E7}"/>
+                <a16:creationId xmlns:a16="http://schemas.microsoft.com/office/drawing/2014/main" id="{5D999AF8-293A-3BAD-D0F0-49EC06ACB5A8}"/>
               </a:ext>
             </a:extLst>
           </p:cNvPr>
@@ -2507,7 +2507,7 @@
           <p:cNvPr id="3" name="图片占位符 2">
             <a:extLst>
               <a:ext uri="{FF2B5EF4-FFF2-40B4-BE49-F238E27FC236}">
-                <a16:creationId xmlns:a16="http://schemas.microsoft.com/office/drawing/2014/main" id="{08BB57F5-B117-56BC-B956-E93512098297}"/>
+                <a16:creationId xmlns:a16="http://schemas.microsoft.com/office/drawing/2014/main" id="{C29EEC1D-3009-2CCC-7797-9878F40ABBA0}"/>
               </a:ext>
             </a:extLst>
           </p:cNvPr>
@@ -2574,7 +2574,7 @@
           <p:cNvPr id="4" name="文本占位符 3">
             <a:extLst>
               <a:ext uri="{FF2B5EF4-FFF2-40B4-BE49-F238E27FC236}">
-                <a16:creationId xmlns:a16="http://schemas.microsoft.com/office/drawing/2014/main" id="{06517DCD-AA98-F2E5-7B25-101029B3679E}"/>
+                <a16:creationId xmlns:a16="http://schemas.microsoft.com/office/drawing/2014/main" id="{8EFFE5BF-478F-4F57-CB0C-5608D2FB58A6}"/>
               </a:ext>
             </a:extLst>
           </p:cNvPr>
@@ -2645,7 +2645,7 @@
           <p:cNvPr id="5" name="日期占位符 4">
             <a:extLst>
               <a:ext uri="{FF2B5EF4-FFF2-40B4-BE49-F238E27FC236}">
-                <a16:creationId xmlns:a16="http://schemas.microsoft.com/office/drawing/2014/main" id="{55A52E19-D663-97E3-09DC-0D62EEE97902}"/>
+                <a16:creationId xmlns:a16="http://schemas.microsoft.com/office/drawing/2014/main" id="{91623342-C552-0440-3506-4D2716E92AC6}"/>
               </a:ext>
             </a:extLst>
           </p:cNvPr>
@@ -2661,7 +2661,7 @@
           <a:bodyPr/>
           <a:lstStyle/>
           <a:p>
-            <a:fld id="{12307159-C74F-4C12-BBFE-E13B35540D95}" type="datetimeFigureOut">
+            <a:fld id="{C1FA38F4-0FF2-4695-9C3B-913DF8A39FA2}" type="datetimeFigureOut">
               <a:rPr lang="zh-CN" altLang="en-US" smtClean="0"/>
               <a:t>2024/3/10</a:t>
             </a:fld>
@@ -2674,7 +2674,7 @@
           <p:cNvPr id="6" name="页脚占位符 5">
             <a:extLst>
               <a:ext uri="{FF2B5EF4-FFF2-40B4-BE49-F238E27FC236}">
-                <a16:creationId xmlns:a16="http://schemas.microsoft.com/office/drawing/2014/main" id="{2C05C6AC-6E42-F37F-795D-BDEFCBF15925}"/>
+                <a16:creationId xmlns:a16="http://schemas.microsoft.com/office/drawing/2014/main" id="{1221A372-72DB-9FAA-CF8C-DF87BA8C1EED}"/>
               </a:ext>
             </a:extLst>
           </p:cNvPr>
@@ -2699,7 +2699,7 @@
           <p:cNvPr id="7" name="灯片编号占位符 6">
             <a:extLst>
               <a:ext uri="{FF2B5EF4-FFF2-40B4-BE49-F238E27FC236}">
-                <a16:creationId xmlns:a16="http://schemas.microsoft.com/office/drawing/2014/main" id="{6C88633A-BDF7-3528-6AEC-937A24E77312}"/>
+                <a16:creationId xmlns:a16="http://schemas.microsoft.com/office/drawing/2014/main" id="{91944CEE-9A3B-FAFE-4BC6-0D9362CD2B44}"/>
               </a:ext>
             </a:extLst>
           </p:cNvPr>
@@ -2715,7 +2715,7 @@
           <a:bodyPr/>
           <a:lstStyle/>
           <a:p>
-            <a:fld id="{92D9176E-BAC6-4DA3-AD60-527B8151CCB4}" type="slidenum">
+            <a:fld id="{6D5E9A5E-A1D5-4D9E-81DD-2A62C78967B9}" type="slidenum">
               <a:rPr lang="zh-CN" altLang="en-US" smtClean="0"/>
               <a:t>‹#›</a:t>
             </a:fld>
@@ -2726,7 +2726,7 @@
     </p:spTree>
     <p:extLst>
       <p:ext uri="{BB962C8B-B14F-4D97-AF65-F5344CB8AC3E}">
-        <p14:creationId xmlns:p14="http://schemas.microsoft.com/office/powerpoint/2010/main" val="1584227161"/>
+        <p14:creationId xmlns:p14="http://schemas.microsoft.com/office/powerpoint/2010/main" val="194180638"/>
       </p:ext>
     </p:extLst>
   </p:cSld>
@@ -2763,7 +2763,7 @@
           <p:cNvPr id="2" name="标题占位符 1">
             <a:extLst>
               <a:ext uri="{FF2B5EF4-FFF2-40B4-BE49-F238E27FC236}">
-                <a16:creationId xmlns:a16="http://schemas.microsoft.com/office/drawing/2014/main" id="{13AFFB2F-A4FC-89EF-E981-C07FF6C61961}"/>
+                <a16:creationId xmlns:a16="http://schemas.microsoft.com/office/drawing/2014/main" id="{E99030AA-1A23-7B3F-87FE-8A8F632870CE}"/>
               </a:ext>
             </a:extLst>
           </p:cNvPr>
@@ -2801,7 +2801,7 @@
           <p:cNvPr id="3" name="文本占位符 2">
             <a:extLst>
               <a:ext uri="{FF2B5EF4-FFF2-40B4-BE49-F238E27FC236}">
-                <a16:creationId xmlns:a16="http://schemas.microsoft.com/office/drawing/2014/main" id="{B9B68861-D8A5-127E-16A1-D1D443DD71A3}"/>
+                <a16:creationId xmlns:a16="http://schemas.microsoft.com/office/drawing/2014/main" id="{41282CDF-EA8D-348E-B506-E5C247D5A7C5}"/>
               </a:ext>
             </a:extLst>
           </p:cNvPr>
@@ -2868,7 +2868,7 @@
           <p:cNvPr id="4" name="日期占位符 3">
             <a:extLst>
               <a:ext uri="{FF2B5EF4-FFF2-40B4-BE49-F238E27FC236}">
-                <a16:creationId xmlns:a16="http://schemas.microsoft.com/office/drawing/2014/main" id="{89197543-321D-EFFD-6863-01B78E6AF9C0}"/>
+                <a16:creationId xmlns:a16="http://schemas.microsoft.com/office/drawing/2014/main" id="{90FA66EC-5C6E-11A3-C137-AC9CD2577A4A}"/>
               </a:ext>
             </a:extLst>
           </p:cNvPr>
@@ -2902,7 +2902,7 @@
             </a:lvl1pPr>
           </a:lstStyle>
           <a:p>
-            <a:fld id="{12307159-C74F-4C12-BBFE-E13B35540D95}" type="datetimeFigureOut">
+            <a:fld id="{C1FA38F4-0FF2-4695-9C3B-913DF8A39FA2}" type="datetimeFigureOut">
               <a:rPr lang="zh-CN" altLang="en-US" smtClean="0"/>
               <a:t>2024/3/10</a:t>
             </a:fld>
@@ -2915,7 +2915,7 @@
           <p:cNvPr id="5" name="页脚占位符 4">
             <a:extLst>
               <a:ext uri="{FF2B5EF4-FFF2-40B4-BE49-F238E27FC236}">
-                <a16:creationId xmlns:a16="http://schemas.microsoft.com/office/drawing/2014/main" id="{4D9B861C-69B6-602B-BF81-B56DC0DD9F66}"/>
+                <a16:creationId xmlns:a16="http://schemas.microsoft.com/office/drawing/2014/main" id="{A4A0A596-C575-138D-B1A7-9B4B0D8E075C}"/>
               </a:ext>
             </a:extLst>
           </p:cNvPr>
@@ -2958,7 +2958,7 @@
           <p:cNvPr id="6" name="灯片编号占位符 5">
             <a:extLst>
               <a:ext uri="{FF2B5EF4-FFF2-40B4-BE49-F238E27FC236}">
-                <a16:creationId xmlns:a16="http://schemas.microsoft.com/office/drawing/2014/main" id="{BD03BE3C-4C6E-CE69-E278-907653354375}"/>
+                <a16:creationId xmlns:a16="http://schemas.microsoft.com/office/drawing/2014/main" id="{9AFDC617-61EB-E6C5-8050-1C2F51214558}"/>
               </a:ext>
             </a:extLst>
           </p:cNvPr>
@@ -2992,7 +2992,7 @@
             </a:lvl1pPr>
           </a:lstStyle>
           <a:p>
-            <a:fld id="{92D9176E-BAC6-4DA3-AD60-527B8151CCB4}" type="slidenum">
+            <a:fld id="{6D5E9A5E-A1D5-4D9E-81DD-2A62C78967B9}" type="slidenum">
               <a:rPr lang="zh-CN" altLang="en-US" smtClean="0"/>
               <a:t>‹#›</a:t>
             </a:fld>
@@ -3003,7 +3003,7 @@
     </p:spTree>
     <p:extLst>
       <p:ext uri="{BB962C8B-B14F-4D97-AF65-F5344CB8AC3E}">
-        <p14:creationId xmlns:p14="http://schemas.microsoft.com/office/powerpoint/2010/main" val="1647293940"/>
+        <p14:creationId xmlns:p14="http://schemas.microsoft.com/office/powerpoint/2010/main" val="1590872360"/>
       </p:ext>
     </p:extLst>
   </p:cSld>
